--- a/Review/Review1/Module Designs/Mod3.pptx
+++ b/Review/Review1/Module Designs/Mod3.pptx
@@ -243,7 +243,7 @@
           <a:p>
             <a:fld id="{63A1C593-65D0-4073-BCC9-577B9352EA97}" type="datetimeFigureOut">
               <a:rPr lang="en-US" smtClean="0"/>
-              <a:t>3/30/2022</a:t>
+              <a:t>6/8/2022</a:t>
             </a:fld>
             <a:endParaRPr lang="en-US"/>
           </a:p>
@@ -408,7 +408,7 @@
           <a:p>
             <a:fld id="{63A1C593-65D0-4073-BCC9-577B9352EA97}" type="datetimeFigureOut">
               <a:rPr lang="en-US" smtClean="0"/>
-              <a:t>3/30/2022</a:t>
+              <a:t>6/8/2022</a:t>
             </a:fld>
             <a:endParaRPr lang="en-US"/>
           </a:p>
@@ -583,7 +583,7 @@
           <a:p>
             <a:fld id="{63A1C593-65D0-4073-BCC9-577B9352EA97}" type="datetimeFigureOut">
               <a:rPr lang="en-US" smtClean="0"/>
-              <a:t>3/30/2022</a:t>
+              <a:t>6/8/2022</a:t>
             </a:fld>
             <a:endParaRPr lang="en-US"/>
           </a:p>
@@ -748,7 +748,7 @@
           <a:p>
             <a:fld id="{63A1C593-65D0-4073-BCC9-577B9352EA97}" type="datetimeFigureOut">
               <a:rPr lang="en-US" smtClean="0"/>
-              <a:t>3/30/2022</a:t>
+              <a:t>6/8/2022</a:t>
             </a:fld>
             <a:endParaRPr lang="en-US"/>
           </a:p>
@@ -989,7 +989,7 @@
           <a:p>
             <a:fld id="{63A1C593-65D0-4073-BCC9-577B9352EA97}" type="datetimeFigureOut">
               <a:rPr lang="en-US" smtClean="0"/>
-              <a:t>3/30/2022</a:t>
+              <a:t>6/8/2022</a:t>
             </a:fld>
             <a:endParaRPr lang="en-US"/>
           </a:p>
@@ -1216,7 +1216,7 @@
           <a:p>
             <a:fld id="{63A1C593-65D0-4073-BCC9-577B9352EA97}" type="datetimeFigureOut">
               <a:rPr lang="en-US" smtClean="0"/>
-              <a:t>3/30/2022</a:t>
+              <a:t>6/8/2022</a:t>
             </a:fld>
             <a:endParaRPr lang="en-US"/>
           </a:p>
@@ -1578,7 +1578,7 @@
           <a:p>
             <a:fld id="{63A1C593-65D0-4073-BCC9-577B9352EA97}" type="datetimeFigureOut">
               <a:rPr lang="en-US" smtClean="0"/>
-              <a:t>3/30/2022</a:t>
+              <a:t>6/8/2022</a:t>
             </a:fld>
             <a:endParaRPr lang="en-US"/>
           </a:p>
@@ -1691,7 +1691,7 @@
           <a:p>
             <a:fld id="{63A1C593-65D0-4073-BCC9-577B9352EA97}" type="datetimeFigureOut">
               <a:rPr lang="en-US" smtClean="0"/>
-              <a:t>3/30/2022</a:t>
+              <a:t>6/8/2022</a:t>
             </a:fld>
             <a:endParaRPr lang="en-US"/>
           </a:p>
@@ -1781,7 +1781,7 @@
           <a:p>
             <a:fld id="{63A1C593-65D0-4073-BCC9-577B9352EA97}" type="datetimeFigureOut">
               <a:rPr lang="en-US" smtClean="0"/>
-              <a:t>3/30/2022</a:t>
+              <a:t>6/8/2022</a:t>
             </a:fld>
             <a:endParaRPr lang="en-US"/>
           </a:p>
@@ -2053,7 +2053,7 @@
           <a:p>
             <a:fld id="{63A1C593-65D0-4073-BCC9-577B9352EA97}" type="datetimeFigureOut">
               <a:rPr lang="en-US" smtClean="0"/>
-              <a:t>3/30/2022</a:t>
+              <a:t>6/8/2022</a:t>
             </a:fld>
             <a:endParaRPr lang="en-US"/>
           </a:p>
@@ -2301,7 +2301,7 @@
           <a:p>
             <a:fld id="{63A1C593-65D0-4073-BCC9-577B9352EA97}" type="datetimeFigureOut">
               <a:rPr lang="en-US" smtClean="0"/>
-              <a:t>3/30/2022</a:t>
+              <a:t>6/8/2022</a:t>
             </a:fld>
             <a:endParaRPr lang="en-US"/>
           </a:p>
@@ -2509,7 +2509,7 @@
           <a:p>
             <a:fld id="{63A1C593-65D0-4073-BCC9-577B9352EA97}" type="datetimeFigureOut">
               <a:rPr lang="en-US" smtClean="0"/>
-              <a:t>3/30/2022</a:t>
+              <a:t>6/8/2022</a:t>
             </a:fld>
             <a:endParaRPr lang="en-US"/>
           </a:p>
@@ -2974,7 +2974,7 @@
         <p:spPr>
           <a:xfrm>
             <a:off x="1736407" y="6023135"/>
-            <a:ext cx="1753870" cy="883920"/>
+            <a:ext cx="1999298" cy="883920"/>
           </a:xfrm>
           <a:prstGeom prst="rect">
             <a:avLst/>
@@ -3012,18 +3012,25 @@
               <a:t>P</a:t>
             </a:r>
             <a:r>
+              <a:rPr lang="en-US" dirty="0" err="1">
+                <a:latin typeface="Comic Sans MS" panose="030F0702030302020204" pitchFamily="66" charset="0"/>
+                <a:cs typeface="Times New Roman" panose="02020603050405020304" charset="0"/>
+              </a:rPr>
+              <a:t>erform</a:t>
+            </a:r>
+            <a:r>
               <a:rPr lang="en-US" dirty="0">
                 <a:latin typeface="Comic Sans MS" panose="030F0702030302020204" pitchFamily="66" charset="0"/>
                 <a:cs typeface="Times New Roman" panose="02020603050405020304" charset="0"/>
               </a:rPr>
-              <a:t>erform in </a:t>
+              <a:t> </a:t>
             </a:r>
             <a:r>
               <a:rPr lang="en-US" dirty="0" smtClean="0">
                 <a:latin typeface="Comic Sans MS" panose="030F0702030302020204" pitchFamily="66" charset="0"/>
                 <a:cs typeface="Times New Roman" panose="02020603050405020304" charset="0"/>
               </a:rPr>
-              <a:t>landscape &amp; portrait</a:t>
+              <a:t>fitting with projected PV panels</a:t>
             </a:r>
             <a:endParaRPr lang="en-US" dirty="0">
               <a:latin typeface="Comic Sans MS" panose="030F0702030302020204" pitchFamily="66" charset="0"/>
@@ -3079,18 +3086,25 @@
               <a:t>P</a:t>
             </a:r>
             <a:r>
+              <a:rPr lang="en-US" dirty="0" err="1">
+                <a:latin typeface="Comic Sans MS" panose="030F0702030302020204" pitchFamily="66" charset="0"/>
+                <a:cs typeface="Times New Roman" panose="02020603050405020304" charset="0"/>
+              </a:rPr>
+              <a:t>erform</a:t>
+            </a:r>
+            <a:r>
               <a:rPr lang="en-US" dirty="0">
                 <a:latin typeface="Comic Sans MS" panose="030F0702030302020204" pitchFamily="66" charset="0"/>
                 <a:cs typeface="Times New Roman" panose="02020603050405020304" charset="0"/>
               </a:rPr>
-              <a:t>erform in landscape </a:t>
+              <a:t> </a:t>
             </a:r>
             <a:r>
               <a:rPr lang="en-US" dirty="0" smtClean="0">
                 <a:latin typeface="Comic Sans MS" panose="030F0702030302020204" pitchFamily="66" charset="0"/>
                 <a:cs typeface="Times New Roman" panose="02020603050405020304" charset="0"/>
               </a:rPr>
-              <a:t>mode</a:t>
+              <a:t>fitting with 0 row spacing</a:t>
             </a:r>
             <a:endParaRPr lang="en-US" dirty="0">
               <a:latin typeface="Comic Sans MS" panose="030F0702030302020204" pitchFamily="66" charset="0"/>
@@ -3107,8 +3121,8 @@
         </p:nvSpPr>
         <p:spPr>
           <a:xfrm>
-            <a:off x="1933615" y="9849330"/>
-            <a:ext cx="4436346" cy="1402235"/>
+            <a:off x="883920" y="9849330"/>
+            <a:ext cx="5974080" cy="1402235"/>
           </a:xfrm>
           <a:prstGeom prst="ellipse">
             <a:avLst/>
@@ -3139,13 +3153,27 @@
           <a:p>
             <a:pPr algn="ctr"/>
             <a:r>
-              <a:rPr lang="en-US" altLang="en-US" sz="2000" b="1" dirty="0" smtClean="0">
+              <a:rPr lang="en-US" altLang="en-US" sz="1850" b="1" dirty="0" smtClean="0">
                 <a:latin typeface="Century Schoolbook" panose="02040604050505020304" pitchFamily="18" charset="0"/>
                 <a:cs typeface="Times New Roman" panose="02020603050405020304" charset="0"/>
               </a:rPr>
-              <a:t>ROOF TYPE WITH GUESSTIMATED NO OF PANELS</a:t>
-            </a:r>
-            <a:endParaRPr lang="en-IN" altLang="en-US" sz="2000" b="1" dirty="0">
+              <a:t>CLASSIFIED ROOF </a:t>
+            </a:r>
+            <a:r>
+              <a:rPr lang="en-US" altLang="en-US" sz="1850" b="1" dirty="0" smtClean="0">
+                <a:latin typeface="Century Schoolbook" panose="02040604050505020304" pitchFamily="18" charset="0"/>
+                <a:cs typeface="Times New Roman" panose="02020603050405020304" charset="0"/>
+              </a:rPr>
+              <a:t>TYPE </a:t>
+            </a:r>
+            <a:r>
+              <a:rPr lang="en-US" altLang="en-US" sz="1850" b="1" dirty="0" smtClean="0">
+                <a:latin typeface="Century Schoolbook" panose="02040604050505020304" pitchFamily="18" charset="0"/>
+                <a:cs typeface="Times New Roman" panose="02020603050405020304" charset="0"/>
+              </a:rPr>
+              <a:t>&amp; IMAGE SIMULATION OF PV PANELS FITTED ON ROOF TOP</a:t>
+            </a:r>
+            <a:endParaRPr lang="en-IN" altLang="en-US" sz="1850" b="1" dirty="0">
               <a:latin typeface="Century Schoolbook" panose="02040604050505020304" pitchFamily="18" charset="0"/>
               <a:cs typeface="Times New Roman" panose="02020603050405020304" charset="0"/>
             </a:endParaRPr>
@@ -3249,7 +3277,7 @@
                 <a:latin typeface="Comic Sans MS" panose="030F0702030302020204" pitchFamily="66" charset="0"/>
                 <a:cs typeface="Times New Roman" panose="02020603050405020304" charset="0"/>
               </a:rPr>
-              <a:t>Count no of modules for the best fit</a:t>
+              <a:t>Simulate a modular layout of PV panels fitted on rooftops.</a:t>
             </a:r>
             <a:endParaRPr lang="en-US" sz="2200" dirty="0">
               <a:latin typeface="Comic Sans MS" panose="030F0702030302020204" pitchFamily="66" charset="0"/>
@@ -3430,15 +3458,13 @@
       <p:cxnSp>
         <p:nvCxnSpPr>
           <p:cNvPr id="22" name="Straight Arrow Connector 21"/>
-          <p:cNvCxnSpPr>
-            <a:endCxn id="8" idx="0"/>
-          </p:cNvCxnSpPr>
+          <p:cNvCxnSpPr/>
           <p:nvPr/>
         </p:nvCxnSpPr>
         <p:spPr>
-          <a:xfrm>
-            <a:off x="4151788" y="8950965"/>
-            <a:ext cx="0" cy="898365"/>
+          <a:xfrm flipH="1">
+            <a:off x="4137896" y="8941120"/>
+            <a:ext cx="1" cy="898365"/>
           </a:xfrm>
           <a:prstGeom prst="straightConnector1">
             <a:avLst/>
@@ -3603,8 +3629,8 @@
         </p:nvCxnSpPr>
         <p:spPr>
           <a:xfrm rot="5400000" flipH="1" flipV="1">
-            <a:off x="4057649" y="5437982"/>
-            <a:ext cx="24766" cy="2913380"/>
+            <a:off x="4119006" y="5499339"/>
+            <a:ext cx="24766" cy="2790666"/>
           </a:xfrm>
           <a:prstGeom prst="bentConnector3">
             <a:avLst>
